--- a/images/theory_analysis/VPN/VPN.pptx
+++ b/images/theory_analysis/VPN/VPN.pptx
@@ -214,7 +214,7 @@
           <a:p>
             <a:fld id="{6CD5550B-26C4-49A9-A5BA-636EF7BE6CE9}" type="datetimeFigureOut">
               <a:rPr lang="ko-KR" altLang="en-US" smtClean="0"/>
-              <a:t>2019-11-02</a:t>
+              <a:t>2019-11-03</a:t>
             </a:fld>
             <a:endParaRPr lang="ko-KR" altLang="en-US"/>
           </a:p>
@@ -744,7 +744,7 @@
           <a:p>
             <a:fld id="{FB30EDBD-1C2D-4C1E-B459-B60219FAB484}" type="datetimeFigureOut">
               <a:rPr lang="ko-KR" altLang="en-US" smtClean="0"/>
-              <a:t>2019-11-02</a:t>
+              <a:t>2019-11-03</a:t>
             </a:fld>
             <a:endParaRPr lang="ko-KR" altLang="en-US"/>
           </a:p>
@@ -907,7 +907,7 @@
           <a:p>
             <a:fld id="{FB30EDBD-1C2D-4C1E-B459-B60219FAB484}" type="datetimeFigureOut">
               <a:rPr lang="ko-KR" altLang="en-US" smtClean="0"/>
-              <a:t>2019-11-02</a:t>
+              <a:t>2019-11-03</a:t>
             </a:fld>
             <a:endParaRPr lang="ko-KR" altLang="en-US"/>
           </a:p>
@@ -1080,7 +1080,7 @@
           <a:p>
             <a:fld id="{FB30EDBD-1C2D-4C1E-B459-B60219FAB484}" type="datetimeFigureOut">
               <a:rPr lang="ko-KR" altLang="en-US" smtClean="0"/>
-              <a:t>2019-11-02</a:t>
+              <a:t>2019-11-03</a:t>
             </a:fld>
             <a:endParaRPr lang="ko-KR" altLang="en-US"/>
           </a:p>
@@ -1243,7 +1243,7 @@
           <a:p>
             <a:fld id="{FB30EDBD-1C2D-4C1E-B459-B60219FAB484}" type="datetimeFigureOut">
               <a:rPr lang="ko-KR" altLang="en-US" smtClean="0"/>
-              <a:t>2019-11-02</a:t>
+              <a:t>2019-11-03</a:t>
             </a:fld>
             <a:endParaRPr lang="ko-KR" altLang="en-US"/>
           </a:p>
@@ -1483,7 +1483,7 @@
           <a:p>
             <a:fld id="{FB30EDBD-1C2D-4C1E-B459-B60219FAB484}" type="datetimeFigureOut">
               <a:rPr lang="ko-KR" altLang="en-US" smtClean="0"/>
-              <a:t>2019-11-02</a:t>
+              <a:t>2019-11-03</a:t>
             </a:fld>
             <a:endParaRPr lang="ko-KR" altLang="en-US"/>
           </a:p>
@@ -1763,7 +1763,7 @@
           <a:p>
             <a:fld id="{FB30EDBD-1C2D-4C1E-B459-B60219FAB484}" type="datetimeFigureOut">
               <a:rPr lang="ko-KR" altLang="en-US" smtClean="0"/>
-              <a:t>2019-11-02</a:t>
+              <a:t>2019-11-03</a:t>
             </a:fld>
             <a:endParaRPr lang="ko-KR" altLang="en-US"/>
           </a:p>
@@ -2177,7 +2177,7 @@
           <a:p>
             <a:fld id="{FB30EDBD-1C2D-4C1E-B459-B60219FAB484}" type="datetimeFigureOut">
               <a:rPr lang="ko-KR" altLang="en-US" smtClean="0"/>
-              <a:t>2019-11-02</a:t>
+              <a:t>2019-11-03</a:t>
             </a:fld>
             <a:endParaRPr lang="ko-KR" altLang="en-US"/>
           </a:p>
@@ -2289,7 +2289,7 @@
           <a:p>
             <a:fld id="{FB30EDBD-1C2D-4C1E-B459-B60219FAB484}" type="datetimeFigureOut">
               <a:rPr lang="ko-KR" altLang="en-US" smtClean="0"/>
-              <a:t>2019-11-02</a:t>
+              <a:t>2019-11-03</a:t>
             </a:fld>
             <a:endParaRPr lang="ko-KR" altLang="en-US"/>
           </a:p>
@@ -2379,7 +2379,7 @@
           <a:p>
             <a:fld id="{FB30EDBD-1C2D-4C1E-B459-B60219FAB484}" type="datetimeFigureOut">
               <a:rPr lang="ko-KR" altLang="en-US" smtClean="0"/>
-              <a:t>2019-11-02</a:t>
+              <a:t>2019-11-03</a:t>
             </a:fld>
             <a:endParaRPr lang="ko-KR" altLang="en-US"/>
           </a:p>
@@ -2649,7 +2649,7 @@
           <a:p>
             <a:fld id="{FB30EDBD-1C2D-4C1E-B459-B60219FAB484}" type="datetimeFigureOut">
               <a:rPr lang="ko-KR" altLang="en-US" smtClean="0"/>
-              <a:t>2019-11-02</a:t>
+              <a:t>2019-11-03</a:t>
             </a:fld>
             <a:endParaRPr lang="ko-KR" altLang="en-US"/>
           </a:p>
@@ -2896,7 +2896,7 @@
           <a:p>
             <a:fld id="{FB30EDBD-1C2D-4C1E-B459-B60219FAB484}" type="datetimeFigureOut">
               <a:rPr lang="ko-KR" altLang="en-US" smtClean="0"/>
-              <a:t>2019-11-02</a:t>
+              <a:t>2019-11-03</a:t>
             </a:fld>
             <a:endParaRPr lang="ko-KR" altLang="en-US"/>
           </a:p>
@@ -3102,7 +3102,7 @@
           <a:p>
             <a:fld id="{FB30EDBD-1C2D-4C1E-B459-B60219FAB484}" type="datetimeFigureOut">
               <a:rPr lang="ko-KR" altLang="en-US" smtClean="0"/>
-              <a:t>2019-11-02</a:t>
+              <a:t>2019-11-03</a:t>
             </a:fld>
             <a:endParaRPr lang="ko-KR" altLang="en-US"/>
           </a:p>
@@ -3901,7 +3901,7 @@
           </a:prstGeom>
           <a:ln>
             <a:solidFill>
-              <a:schemeClr val="tx1"/>
+              <a:schemeClr val="tx2"/>
             </a:solidFill>
           </a:ln>
         </p:spPr>
@@ -3950,7 +3950,7 @@
           </a:prstGeom>
           <a:ln>
             <a:solidFill>
-              <a:schemeClr val="tx1"/>
+              <a:schemeClr val="tx2"/>
             </a:solidFill>
           </a:ln>
         </p:spPr>
@@ -4896,7 +4896,7 @@
           </a:prstGeom>
           <a:ln>
             <a:solidFill>
-              <a:schemeClr val="tx1"/>
+              <a:schemeClr val="tx2"/>
             </a:solidFill>
           </a:ln>
         </p:spPr>
@@ -4920,6 +4920,92 @@
           <a:p>
             <a:pPr algn="ctr"/>
             <a:endParaRPr lang="ko-KR" altLang="en-US"/>
+          </a:p>
+        </p:txBody>
+      </p:sp>
+      <p:sp>
+        <p:nvSpPr>
+          <p:cNvPr id="35" name="직사각형 34">
+            <a:extLst>
+              <a:ext uri="{FF2B5EF4-FFF2-40B4-BE49-F238E27FC236}">
+                <a16:creationId xmlns:a16="http://schemas.microsoft.com/office/drawing/2014/main" id="{B7A23056-F839-4636-BC05-E27D07789205}"/>
+              </a:ext>
+            </a:extLst>
+          </p:cNvPr>
+          <p:cNvSpPr/>
+          <p:nvPr/>
+        </p:nvSpPr>
+        <p:spPr>
+          <a:xfrm>
+            <a:off x="683568" y="2642975"/>
+            <a:ext cx="528815" cy="167926"/>
+          </a:xfrm>
+          <a:prstGeom prst="rect">
+            <a:avLst/>
+          </a:prstGeom>
+          <a:ln>
+            <a:solidFill>
+              <a:schemeClr val="tx2"/>
+            </a:solidFill>
+          </a:ln>
+        </p:spPr>
+        <p:style>
+          <a:lnRef idx="2">
+            <a:schemeClr val="dk1"/>
+          </a:lnRef>
+          <a:fillRef idx="1">
+            <a:schemeClr val="lt1"/>
+          </a:fillRef>
+          <a:effectRef idx="0">
+            <a:schemeClr val="dk1"/>
+          </a:effectRef>
+          <a:fontRef idx="minor">
+            <a:schemeClr val="dk1"/>
+          </a:fontRef>
+        </p:style>
+        <p:txBody>
+          <a:bodyPr rtlCol="0" anchor="ctr"/>
+          <a:lstStyle/>
+          <a:p>
+            <a:pPr algn="ctr"/>
+            <a:endParaRPr lang="ko-KR" altLang="en-US"/>
+          </a:p>
+        </p:txBody>
+      </p:sp>
+      <p:sp>
+        <p:nvSpPr>
+          <p:cNvPr id="4" name="TextBox 3">
+            <a:extLst>
+              <a:ext uri="{FF2B5EF4-FFF2-40B4-BE49-F238E27FC236}">
+                <a16:creationId xmlns:a16="http://schemas.microsoft.com/office/drawing/2014/main" id="{F051FD29-78E0-4FC7-8A87-67A8994BB940}"/>
+              </a:ext>
+            </a:extLst>
+          </p:cNvPr>
+          <p:cNvSpPr txBox="1"/>
+          <p:nvPr/>
+        </p:nvSpPr>
+        <p:spPr>
+          <a:xfrm>
+            <a:off x="1205339" y="2571750"/>
+            <a:ext cx="1134413" cy="307777"/>
+          </a:xfrm>
+          <a:prstGeom prst="rect">
+            <a:avLst/>
+          </a:prstGeom>
+          <a:noFill/>
+        </p:spPr>
+        <p:txBody>
+          <a:bodyPr wrap="none" rtlCol="0">
+            <a:spAutoFit/>
+          </a:bodyPr>
+          <a:lstStyle/>
+          <a:p>
+            <a:pPr algn="ctr"/>
+            <a:r>
+              <a:rPr lang="en-US" altLang="ko-KR" sz="1400"/>
+              <a:t>VPN Tunnel</a:t>
+            </a:r>
+            <a:endParaRPr lang="ko-KR" altLang="en-US" sz="1400"/>
           </a:p>
         </p:txBody>
       </p:sp>
